--- a/强化学习PPT4~6章/演示文稿.pptx
+++ b/强化学习PPT4~6章/演示文稿.pptx
@@ -267,7 +267,7 @@
           <a:p>
             <a:fld id="{040CB0DB-2BBE-433B-80A9-09E64FD816CB}" type="datetimeFigureOut">
               <a:rPr lang="zh-CN" altLang="en-US" smtClean="0"/>
-              <a:t>2019/8/12</a:t>
+              <a:t>2019/9/1</a:t>
             </a:fld>
             <a:endParaRPr lang="zh-CN" altLang="en-US"/>
           </a:p>
@@ -465,7 +465,7 @@
           <a:p>
             <a:fld id="{040CB0DB-2BBE-433B-80A9-09E64FD816CB}" type="datetimeFigureOut">
               <a:rPr lang="zh-CN" altLang="en-US" smtClean="0"/>
-              <a:t>2019/8/12</a:t>
+              <a:t>2019/9/1</a:t>
             </a:fld>
             <a:endParaRPr lang="zh-CN" altLang="en-US"/>
           </a:p>
@@ -673,7 +673,7 @@
           <a:p>
             <a:fld id="{040CB0DB-2BBE-433B-80A9-09E64FD816CB}" type="datetimeFigureOut">
               <a:rPr lang="zh-CN" altLang="en-US" smtClean="0"/>
-              <a:t>2019/8/12</a:t>
+              <a:t>2019/9/1</a:t>
             </a:fld>
             <a:endParaRPr lang="zh-CN" altLang="en-US"/>
           </a:p>
@@ -871,7 +871,7 @@
           <a:p>
             <a:fld id="{040CB0DB-2BBE-433B-80A9-09E64FD816CB}" type="datetimeFigureOut">
               <a:rPr lang="zh-CN" altLang="en-US" smtClean="0"/>
-              <a:t>2019/8/12</a:t>
+              <a:t>2019/9/1</a:t>
             </a:fld>
             <a:endParaRPr lang="zh-CN" altLang="en-US"/>
           </a:p>
@@ -1146,7 +1146,7 @@
           <a:p>
             <a:fld id="{040CB0DB-2BBE-433B-80A9-09E64FD816CB}" type="datetimeFigureOut">
               <a:rPr lang="zh-CN" altLang="en-US" smtClean="0"/>
-              <a:t>2019/8/12</a:t>
+              <a:t>2019/9/1</a:t>
             </a:fld>
             <a:endParaRPr lang="zh-CN" altLang="en-US"/>
           </a:p>
@@ -1411,7 +1411,7 @@
           <a:p>
             <a:fld id="{040CB0DB-2BBE-433B-80A9-09E64FD816CB}" type="datetimeFigureOut">
               <a:rPr lang="zh-CN" altLang="en-US" smtClean="0"/>
-              <a:t>2019/8/12</a:t>
+              <a:t>2019/9/1</a:t>
             </a:fld>
             <a:endParaRPr lang="zh-CN" altLang="en-US"/>
           </a:p>
@@ -1823,7 +1823,7 @@
           <a:p>
             <a:fld id="{040CB0DB-2BBE-433B-80A9-09E64FD816CB}" type="datetimeFigureOut">
               <a:rPr lang="zh-CN" altLang="en-US" smtClean="0"/>
-              <a:t>2019/8/12</a:t>
+              <a:t>2019/9/1</a:t>
             </a:fld>
             <a:endParaRPr lang="zh-CN" altLang="en-US"/>
           </a:p>
@@ -1964,7 +1964,7 @@
           <a:p>
             <a:fld id="{040CB0DB-2BBE-433B-80A9-09E64FD816CB}" type="datetimeFigureOut">
               <a:rPr lang="zh-CN" altLang="en-US" smtClean="0"/>
-              <a:t>2019/8/12</a:t>
+              <a:t>2019/9/1</a:t>
             </a:fld>
             <a:endParaRPr lang="zh-CN" altLang="en-US"/>
           </a:p>
@@ -2077,7 +2077,7 @@
           <a:p>
             <a:fld id="{040CB0DB-2BBE-433B-80A9-09E64FD816CB}" type="datetimeFigureOut">
               <a:rPr lang="zh-CN" altLang="en-US" smtClean="0"/>
-              <a:t>2019/8/12</a:t>
+              <a:t>2019/9/1</a:t>
             </a:fld>
             <a:endParaRPr lang="zh-CN" altLang="en-US"/>
           </a:p>
@@ -2388,7 +2388,7 @@
           <a:p>
             <a:fld id="{040CB0DB-2BBE-433B-80A9-09E64FD816CB}" type="datetimeFigureOut">
               <a:rPr lang="zh-CN" altLang="en-US" smtClean="0"/>
-              <a:t>2019/8/12</a:t>
+              <a:t>2019/9/1</a:t>
             </a:fld>
             <a:endParaRPr lang="zh-CN" altLang="en-US"/>
           </a:p>
@@ -2676,7 +2676,7 @@
           <a:p>
             <a:fld id="{040CB0DB-2BBE-433B-80A9-09E64FD816CB}" type="datetimeFigureOut">
               <a:rPr lang="zh-CN" altLang="en-US" smtClean="0"/>
-              <a:t>2019/8/12</a:t>
+              <a:t>2019/9/1</a:t>
             </a:fld>
             <a:endParaRPr lang="zh-CN" altLang="en-US"/>
           </a:p>
@@ -2917,7 +2917,7 @@
           <a:p>
             <a:fld id="{040CB0DB-2BBE-433B-80A9-09E64FD816CB}" type="datetimeFigureOut">
               <a:rPr lang="zh-CN" altLang="en-US" smtClean="0"/>
-              <a:t>2019/8/12</a:t>
+              <a:t>2019/9/1</a:t>
             </a:fld>
             <a:endParaRPr lang="zh-CN" altLang="en-US"/>
           </a:p>
@@ -3925,7 +3925,7 @@
           <a:graphicData uri="http://schemas.openxmlformats.org/presentationml/2006/ole">
             <mc:AlternateContent xmlns:mc="http://schemas.openxmlformats.org/markup-compatibility/2006">
               <mc:Choice xmlns:v="urn:schemas-microsoft-com:vml" Requires="v">
-                <p:oleObj spid="_x0000_s1040" name="Equation" r:id="rId3" imgW="2946240" imgH="914400" progId="Equation.DSMT4">
+                <p:oleObj spid="_x0000_s1044" name="Equation" r:id="rId3" imgW="2946240" imgH="914400" progId="Equation.DSMT4">
                   <p:embed/>
                 </p:oleObj>
               </mc:Choice>
@@ -4217,7 +4217,7 @@
           <a:graphicData uri="http://schemas.openxmlformats.org/presentationml/2006/ole">
             <mc:AlternateContent xmlns:mc="http://schemas.openxmlformats.org/markup-compatibility/2006">
               <mc:Choice xmlns:v="urn:schemas-microsoft-com:vml" Requires="v">
-                <p:oleObj spid="_x0000_s2065" name="Equation" r:id="rId3" imgW="126720" imgH="139680" progId="Equation.DSMT4">
+                <p:oleObj spid="_x0000_s2069" name="Equation" r:id="rId3" imgW="126720" imgH="139680" progId="Equation.DSMT4">
                   <p:embed/>
                 </p:oleObj>
               </mc:Choice>
@@ -4428,7 +4428,7 @@
           <a:graphicData uri="http://schemas.openxmlformats.org/presentationml/2006/ole">
             <mc:AlternateContent xmlns:mc="http://schemas.openxmlformats.org/markup-compatibility/2006">
               <mc:Choice xmlns:v="urn:schemas-microsoft-com:vml" Requires="v">
-                <p:oleObj spid="_x0000_s3088" name="Equation" r:id="rId4" imgW="2616120" imgH="228600" progId="Equation.DSMT4">
+                <p:oleObj spid="_x0000_s3093" name="Equation" r:id="rId4" imgW="2616120" imgH="228600" progId="Equation.DSMT4">
                   <p:embed/>
                 </p:oleObj>
               </mc:Choice>
@@ -4981,7 +4981,7 @@
           <a:graphicData uri="http://schemas.openxmlformats.org/presentationml/2006/ole">
             <mc:AlternateContent xmlns:mc="http://schemas.openxmlformats.org/markup-compatibility/2006">
               <mc:Choice xmlns:v="urn:schemas-microsoft-com:vml" Requires="v">
-                <p:oleObj spid="_x0000_s4101" name="Equation" r:id="rId8" imgW="3377880" imgH="241200" progId="Equation.DSMT4">
+                <p:oleObj spid="_x0000_s4105" name="Equation" r:id="rId8" imgW="3377880" imgH="241200" progId="Equation.DSMT4">
                   <p:embed/>
                 </p:oleObj>
               </mc:Choice>
@@ -5301,14 +5301,14 @@
                 <a:latin typeface="微软雅黑" panose="020B0503020204020204" pitchFamily="34" charset="-122"/>
                 <a:ea typeface="微软雅黑" panose="020B0503020204020204" pitchFamily="34" charset="-122"/>
               </a:rPr>
-              <a:t>2.1</a:t>
+              <a:t>7.1</a:t>
             </a:r>
             <a:r>
               <a:rPr lang="zh-CN" altLang="en-US" sz="2800" dirty="0">
                 <a:latin typeface="微软雅黑" panose="020B0503020204020204" pitchFamily="34" charset="-122"/>
                 <a:ea typeface="微软雅黑" panose="020B0503020204020204" pitchFamily="34" charset="-122"/>
               </a:rPr>
-              <a:t>、选择求解方法：（梯度上升法）</a:t>
+              <a:t>、公式推导</a:t>
             </a:r>
             <a:endParaRPr lang="en-US" altLang="zh-CN" sz="2800" dirty="0">
               <a:latin typeface="+mn-ea"/>
@@ -5318,10 +5318,10 @@
       </p:sp>
       <p:graphicFrame>
         <p:nvGraphicFramePr>
-          <p:cNvPr id="5" name="对象 4">
-            <a:extLst>
-              <a:ext uri="{FF2B5EF4-FFF2-40B4-BE49-F238E27FC236}">
-                <a16:creationId xmlns:a16="http://schemas.microsoft.com/office/drawing/2014/main" id="{3838C89E-6221-4E73-896E-7727C3613BB0}"/>
+          <p:cNvPr id="4" name="对象 3">
+            <a:extLst>
+              <a:ext uri="{FF2B5EF4-FFF2-40B4-BE49-F238E27FC236}">
+                <a16:creationId xmlns:a16="http://schemas.microsoft.com/office/drawing/2014/main" id="{543FCF0E-5451-4211-8091-8B5C7EDBDB38}"/>
               </a:ext>
             </a:extLst>
           </p:cNvPr>
@@ -5331,29 +5331,35 @@
           <p:nvPr>
             <p:extLst>
               <p:ext uri="{D42A27DB-BD31-4B8C-83A1-F6EECF244321}">
-                <p14:modId xmlns:p14="http://schemas.microsoft.com/office/powerpoint/2010/main" val="1415191169"/>
+                <p14:modId xmlns:p14="http://schemas.microsoft.com/office/powerpoint/2010/main" val="786242722"/>
               </p:ext>
             </p:extLst>
           </p:nvPr>
         </p:nvGraphicFramePr>
         <p:xfrm>
-          <a:off x="2800625" y="1834149"/>
-          <a:ext cx="6153300" cy="4023311"/>
+          <a:off x="3289259" y="841934"/>
+          <a:ext cx="5613481" cy="944324"/>
         </p:xfrm>
         <a:graphic>
           <a:graphicData uri="http://schemas.openxmlformats.org/presentationml/2006/ole">
             <mc:AlternateContent xmlns:mc="http://schemas.openxmlformats.org/markup-compatibility/2006">
               <mc:Choice xmlns:v="urn:schemas-microsoft-com:vml" Requires="v">
-                <p:oleObj spid="_x0000_s5124" name="Equation" r:id="rId3" imgW="1981080" imgH="1295280" progId="Equation.DSMT4">
+                <p:oleObj spid="_x0000_s5194" name="Equation" r:id="rId3" imgW="2717640" imgH="457200" progId="Equation.DSMT4">
                   <p:embed/>
                 </p:oleObj>
               </mc:Choice>
               <mc:Fallback>
-                <p:oleObj name="Equation" r:id="rId3" imgW="1981080" imgH="1295280" progId="Equation.DSMT4">
+                <p:oleObj name="Equation" r:id="rId3" imgW="2717640" imgH="457200" progId="Equation.DSMT4">
                   <p:embed/>
                   <p:pic>
                     <p:nvPicPr>
-                      <p:cNvPr id="0" name=""/>
+                      <p:cNvPr id="17" name="对象 16">
+                        <a:extLst>
+                          <a:ext uri="{FF2B5EF4-FFF2-40B4-BE49-F238E27FC236}">
+                            <a16:creationId xmlns:a16="http://schemas.microsoft.com/office/drawing/2014/main" id="{BE10ED6A-9430-4C9E-87AA-D0924D8E6066}"/>
+                          </a:ext>
+                        </a:extLst>
+                      </p:cNvPr>
                       <p:cNvPicPr/>
                       <p:nvPr/>
                     </p:nvPicPr>
@@ -5365,8 +5371,1049 @@
                     </p:blipFill>
                     <p:spPr>
                       <a:xfrm>
-                        <a:off x="2800625" y="1834149"/>
-                        <a:ext cx="6153300" cy="4023311"/>
+                        <a:off x="3289259" y="841934"/>
+                        <a:ext cx="5613481" cy="944324"/>
+                      </a:xfrm>
+                      <a:prstGeom prst="rect">
+                        <a:avLst/>
+                      </a:prstGeom>
+                    </p:spPr>
+                  </p:pic>
+                </p:oleObj>
+              </mc:Fallback>
+            </mc:AlternateContent>
+          </a:graphicData>
+        </a:graphic>
+      </p:graphicFrame>
+      <p:pic>
+        <p:nvPicPr>
+          <p:cNvPr id="3" name="图片 2">
+            <a:extLst>
+              <a:ext uri="{FF2B5EF4-FFF2-40B4-BE49-F238E27FC236}">
+                <a16:creationId xmlns:a16="http://schemas.microsoft.com/office/drawing/2014/main" id="{A98E094D-5CA6-4666-8451-42A0051B80A8}"/>
+              </a:ext>
+            </a:extLst>
+          </p:cNvPr>
+          <p:cNvPicPr>
+            <a:picLocks noChangeAspect="1"/>
+          </p:cNvPicPr>
+          <p:nvPr/>
+        </p:nvPicPr>
+        <p:blipFill>
+          <a:blip r:embed="rId5"/>
+          <a:stretch>
+            <a:fillRect/>
+          </a:stretch>
+        </p:blipFill>
+        <p:spPr>
+          <a:xfrm>
+            <a:off x="265457" y="2204938"/>
+            <a:ext cx="7872525" cy="4139554"/>
+          </a:xfrm>
+          <a:prstGeom prst="rect">
+            <a:avLst/>
+          </a:prstGeom>
+        </p:spPr>
+      </p:pic>
+      <p:graphicFrame>
+        <p:nvGraphicFramePr>
+          <p:cNvPr id="6" name="对象 5">
+            <a:extLst>
+              <a:ext uri="{FF2B5EF4-FFF2-40B4-BE49-F238E27FC236}">
+                <a16:creationId xmlns:a16="http://schemas.microsoft.com/office/drawing/2014/main" id="{81831303-FDBB-46FF-97A1-7943F443A198}"/>
+              </a:ext>
+            </a:extLst>
+          </p:cNvPr>
+          <p:cNvGraphicFramePr>
+            <a:graphicFrameLocks noChangeAspect="1"/>
+          </p:cNvGraphicFramePr>
+          <p:nvPr>
+            <p:extLst>
+              <p:ext uri="{D42A27DB-BD31-4B8C-83A1-F6EECF244321}">
+                <p14:modId xmlns:p14="http://schemas.microsoft.com/office/powerpoint/2010/main" val="2282335664"/>
+              </p:ext>
+            </p:extLst>
+          </p:nvPr>
+        </p:nvGraphicFramePr>
+        <p:xfrm>
+          <a:off x="3954048" y="1695505"/>
+          <a:ext cx="426002" cy="589849"/>
+        </p:xfrm>
+        <a:graphic>
+          <a:graphicData uri="http://schemas.openxmlformats.org/presentationml/2006/ole">
+            <mc:AlternateContent xmlns:mc="http://schemas.openxmlformats.org/markup-compatibility/2006">
+              <mc:Choice xmlns:v="urn:schemas-microsoft-com:vml" Requires="v">
+                <p:oleObj spid="_x0000_s5195" name="Equation" r:id="rId6" imgW="164880" imgH="228600" progId="Equation.DSMT4">
+                  <p:embed/>
+                </p:oleObj>
+              </mc:Choice>
+              <mc:Fallback>
+                <p:oleObj name="Equation" r:id="rId6" imgW="164880" imgH="228600" progId="Equation.DSMT4">
+                  <p:embed/>
+                  <p:pic>
+                    <p:nvPicPr>
+                      <p:cNvPr id="0" name=""/>
+                      <p:cNvPicPr/>
+                      <p:nvPr/>
+                    </p:nvPicPr>
+                    <p:blipFill>
+                      <a:blip r:embed="rId7"/>
+                      <a:stretch>
+                        <a:fillRect/>
+                      </a:stretch>
+                    </p:blipFill>
+                    <p:spPr>
+                      <a:xfrm>
+                        <a:off x="3954048" y="1695505"/>
+                        <a:ext cx="426002" cy="589849"/>
+                      </a:xfrm>
+                      <a:prstGeom prst="rect">
+                        <a:avLst/>
+                      </a:prstGeom>
+                    </p:spPr>
+                  </p:pic>
+                </p:oleObj>
+              </mc:Fallback>
+            </mc:AlternateContent>
+          </a:graphicData>
+        </a:graphic>
+      </p:graphicFrame>
+      <p:graphicFrame>
+        <p:nvGraphicFramePr>
+          <p:cNvPr id="7" name="对象 6">
+            <a:extLst>
+              <a:ext uri="{FF2B5EF4-FFF2-40B4-BE49-F238E27FC236}">
+                <a16:creationId xmlns:a16="http://schemas.microsoft.com/office/drawing/2014/main" id="{B6F4511D-EF2D-41DA-AFE6-13FC128A0F5B}"/>
+              </a:ext>
+            </a:extLst>
+          </p:cNvPr>
+          <p:cNvGraphicFramePr>
+            <a:graphicFrameLocks noChangeAspect="1"/>
+          </p:cNvGraphicFramePr>
+          <p:nvPr>
+            <p:extLst>
+              <p:ext uri="{D42A27DB-BD31-4B8C-83A1-F6EECF244321}">
+                <p14:modId xmlns:p14="http://schemas.microsoft.com/office/powerpoint/2010/main" val="1031255602"/>
+              </p:ext>
+            </p:extLst>
+          </p:nvPr>
+        </p:nvGraphicFramePr>
+        <p:xfrm>
+          <a:off x="6966344" y="4014256"/>
+          <a:ext cx="588963" cy="588962"/>
+        </p:xfrm>
+        <a:graphic>
+          <a:graphicData uri="http://schemas.openxmlformats.org/presentationml/2006/ole">
+            <mc:AlternateContent xmlns:mc="http://schemas.openxmlformats.org/markup-compatibility/2006">
+              <mc:Choice xmlns:v="urn:schemas-microsoft-com:vml" Requires="v">
+                <p:oleObj spid="_x0000_s5196" name="Equation" r:id="rId8" imgW="228600" imgH="228600" progId="Equation.DSMT4">
+                  <p:embed/>
+                </p:oleObj>
+              </mc:Choice>
+              <mc:Fallback>
+                <p:oleObj name="Equation" r:id="rId8" imgW="228600" imgH="228600" progId="Equation.DSMT4">
+                  <p:embed/>
+                  <p:pic>
+                    <p:nvPicPr>
+                      <p:cNvPr id="6" name="对象 5">
+                        <a:extLst>
+                          <a:ext uri="{FF2B5EF4-FFF2-40B4-BE49-F238E27FC236}">
+                            <a16:creationId xmlns:a16="http://schemas.microsoft.com/office/drawing/2014/main" id="{81831303-FDBB-46FF-97A1-7943F443A198}"/>
+                          </a:ext>
+                        </a:extLst>
+                      </p:cNvPr>
+                      <p:cNvPicPr/>
+                      <p:nvPr/>
+                    </p:nvPicPr>
+                    <p:blipFill>
+                      <a:blip r:embed="rId9"/>
+                      <a:stretch>
+                        <a:fillRect/>
+                      </a:stretch>
+                    </p:blipFill>
+                    <p:spPr>
+                      <a:xfrm>
+                        <a:off x="6966344" y="4014256"/>
+                        <a:ext cx="588963" cy="588962"/>
+                      </a:xfrm>
+                      <a:prstGeom prst="rect">
+                        <a:avLst/>
+                      </a:prstGeom>
+                    </p:spPr>
+                  </p:pic>
+                </p:oleObj>
+              </mc:Fallback>
+            </mc:AlternateContent>
+          </a:graphicData>
+        </a:graphic>
+      </p:graphicFrame>
+      <p:graphicFrame>
+        <p:nvGraphicFramePr>
+          <p:cNvPr id="8" name="对象 7">
+            <a:extLst>
+              <a:ext uri="{FF2B5EF4-FFF2-40B4-BE49-F238E27FC236}">
+                <a16:creationId xmlns:a16="http://schemas.microsoft.com/office/drawing/2014/main" id="{47FA0895-2B73-4C7E-8ACE-2BF3451A55F1}"/>
+              </a:ext>
+            </a:extLst>
+          </p:cNvPr>
+          <p:cNvGraphicFramePr>
+            <a:graphicFrameLocks noChangeAspect="1"/>
+          </p:cNvGraphicFramePr>
+          <p:nvPr>
+            <p:extLst>
+              <p:ext uri="{D42A27DB-BD31-4B8C-83A1-F6EECF244321}">
+                <p14:modId xmlns:p14="http://schemas.microsoft.com/office/powerpoint/2010/main" val="1047661427"/>
+              </p:ext>
+            </p:extLst>
+          </p:nvPr>
+        </p:nvGraphicFramePr>
+        <p:xfrm>
+          <a:off x="8215352" y="5848350"/>
+          <a:ext cx="687388" cy="590550"/>
+        </p:xfrm>
+        <a:graphic>
+          <a:graphicData uri="http://schemas.openxmlformats.org/presentationml/2006/ole">
+            <mc:AlternateContent xmlns:mc="http://schemas.openxmlformats.org/markup-compatibility/2006">
+              <mc:Choice xmlns:v="urn:schemas-microsoft-com:vml" Requires="v">
+                <p:oleObj spid="_x0000_s5197" name="Equation" r:id="rId10" imgW="266400" imgH="228600" progId="Equation.DSMT4">
+                  <p:embed/>
+                </p:oleObj>
+              </mc:Choice>
+              <mc:Fallback>
+                <p:oleObj name="Equation" r:id="rId10" imgW="266400" imgH="228600" progId="Equation.DSMT4">
+                  <p:embed/>
+                  <p:pic>
+                    <p:nvPicPr>
+                      <p:cNvPr id="6" name="对象 5">
+                        <a:extLst>
+                          <a:ext uri="{FF2B5EF4-FFF2-40B4-BE49-F238E27FC236}">
+                            <a16:creationId xmlns:a16="http://schemas.microsoft.com/office/drawing/2014/main" id="{81831303-FDBB-46FF-97A1-7943F443A198}"/>
+                          </a:ext>
+                        </a:extLst>
+                      </p:cNvPr>
+                      <p:cNvPicPr/>
+                      <p:nvPr/>
+                    </p:nvPicPr>
+                    <p:blipFill>
+                      <a:blip r:embed="rId11"/>
+                      <a:stretch>
+                        <a:fillRect/>
+                      </a:stretch>
+                    </p:blipFill>
+                    <p:spPr>
+                      <a:xfrm>
+                        <a:off x="8215352" y="5848350"/>
+                        <a:ext cx="687388" cy="590550"/>
+                      </a:xfrm>
+                      <a:prstGeom prst="rect">
+                        <a:avLst/>
+                      </a:prstGeom>
+                    </p:spPr>
+                  </p:pic>
+                </p:oleObj>
+              </mc:Fallback>
+            </mc:AlternateContent>
+          </a:graphicData>
+        </a:graphic>
+      </p:graphicFrame>
+      <p:graphicFrame>
+        <p:nvGraphicFramePr>
+          <p:cNvPr id="9" name="对象 8">
+            <a:extLst>
+              <a:ext uri="{FF2B5EF4-FFF2-40B4-BE49-F238E27FC236}">
+                <a16:creationId xmlns:a16="http://schemas.microsoft.com/office/drawing/2014/main" id="{52430A43-BEF7-408C-9289-EE0FA1B8B139}"/>
+              </a:ext>
+            </a:extLst>
+          </p:cNvPr>
+          <p:cNvGraphicFramePr>
+            <a:graphicFrameLocks noChangeAspect="1"/>
+          </p:cNvGraphicFramePr>
+          <p:nvPr>
+            <p:extLst>
+              <p:ext uri="{D42A27DB-BD31-4B8C-83A1-F6EECF244321}">
+                <p14:modId xmlns:p14="http://schemas.microsoft.com/office/powerpoint/2010/main" val="2198827041"/>
+              </p:ext>
+            </p:extLst>
+          </p:nvPr>
+        </p:nvGraphicFramePr>
+        <p:xfrm>
+          <a:off x="5899149" y="3101646"/>
+          <a:ext cx="393700" cy="588963"/>
+        </p:xfrm>
+        <a:graphic>
+          <a:graphicData uri="http://schemas.openxmlformats.org/presentationml/2006/ole">
+            <mc:AlternateContent xmlns:mc="http://schemas.openxmlformats.org/markup-compatibility/2006">
+              <mc:Choice xmlns:v="urn:schemas-microsoft-com:vml" Requires="v">
+                <p:oleObj spid="_x0000_s5198" name="Equation" r:id="rId12" imgW="152280" imgH="228600" progId="Equation.DSMT4">
+                  <p:embed/>
+                </p:oleObj>
+              </mc:Choice>
+              <mc:Fallback>
+                <p:oleObj name="Equation" r:id="rId12" imgW="152280" imgH="228600" progId="Equation.DSMT4">
+                  <p:embed/>
+                  <p:pic>
+                    <p:nvPicPr>
+                      <p:cNvPr id="7" name="对象 6">
+                        <a:extLst>
+                          <a:ext uri="{FF2B5EF4-FFF2-40B4-BE49-F238E27FC236}">
+                            <a16:creationId xmlns:a16="http://schemas.microsoft.com/office/drawing/2014/main" id="{B6F4511D-EF2D-41DA-AFE6-13FC128A0F5B}"/>
+                          </a:ext>
+                        </a:extLst>
+                      </p:cNvPr>
+                      <p:cNvPicPr/>
+                      <p:nvPr/>
+                    </p:nvPicPr>
+                    <p:blipFill>
+                      <a:blip r:embed="rId13"/>
+                      <a:stretch>
+                        <a:fillRect/>
+                      </a:stretch>
+                    </p:blipFill>
+                    <p:spPr>
+                      <a:xfrm>
+                        <a:off x="5899149" y="3101646"/>
+                        <a:ext cx="393700" cy="588963"/>
+                      </a:xfrm>
+                      <a:prstGeom prst="rect">
+                        <a:avLst/>
+                      </a:prstGeom>
+                    </p:spPr>
+                  </p:pic>
+                </p:oleObj>
+              </mc:Fallback>
+            </mc:AlternateContent>
+          </a:graphicData>
+        </a:graphic>
+      </p:graphicFrame>
+      <p:graphicFrame>
+        <p:nvGraphicFramePr>
+          <p:cNvPr id="10" name="对象 9">
+            <a:extLst>
+              <a:ext uri="{FF2B5EF4-FFF2-40B4-BE49-F238E27FC236}">
+                <a16:creationId xmlns:a16="http://schemas.microsoft.com/office/drawing/2014/main" id="{B767D3C5-AC5B-4CB9-9366-ED91C448FAB6}"/>
+              </a:ext>
+            </a:extLst>
+          </p:cNvPr>
+          <p:cNvGraphicFramePr>
+            <a:graphicFrameLocks noChangeAspect="1"/>
+          </p:cNvGraphicFramePr>
+          <p:nvPr>
+            <p:extLst>
+              <p:ext uri="{D42A27DB-BD31-4B8C-83A1-F6EECF244321}">
+                <p14:modId xmlns:p14="http://schemas.microsoft.com/office/powerpoint/2010/main" val="3803369446"/>
+              </p:ext>
+            </p:extLst>
+          </p:nvPr>
+        </p:nvGraphicFramePr>
+        <p:xfrm>
+          <a:off x="7429500" y="4911725"/>
+          <a:ext cx="623888" cy="588963"/>
+        </p:xfrm>
+        <a:graphic>
+          <a:graphicData uri="http://schemas.openxmlformats.org/presentationml/2006/ole">
+            <mc:AlternateContent xmlns:mc="http://schemas.openxmlformats.org/markup-compatibility/2006">
+              <mc:Choice xmlns:v="urn:schemas-microsoft-com:vml" Requires="v">
+                <p:oleObj spid="_x0000_s5199" name="Equation" r:id="rId14" imgW="241200" imgH="228600" progId="Equation.DSMT4">
+                  <p:embed/>
+                </p:oleObj>
+              </mc:Choice>
+              <mc:Fallback>
+                <p:oleObj name="Equation" r:id="rId14" imgW="241200" imgH="228600" progId="Equation.DSMT4">
+                  <p:embed/>
+                  <p:pic>
+                    <p:nvPicPr>
+                      <p:cNvPr id="9" name="对象 8">
+                        <a:extLst>
+                          <a:ext uri="{FF2B5EF4-FFF2-40B4-BE49-F238E27FC236}">
+                            <a16:creationId xmlns:a16="http://schemas.microsoft.com/office/drawing/2014/main" id="{52430A43-BEF7-408C-9289-EE0FA1B8B139}"/>
+                          </a:ext>
+                        </a:extLst>
+                      </p:cNvPr>
+                      <p:cNvPicPr/>
+                      <p:nvPr/>
+                    </p:nvPicPr>
+                    <p:blipFill>
+                      <a:blip r:embed="rId15"/>
+                      <a:stretch>
+                        <a:fillRect/>
+                      </a:stretch>
+                    </p:blipFill>
+                    <p:spPr>
+                      <a:xfrm>
+                        <a:off x="7429500" y="4911725"/>
+                        <a:ext cx="623888" cy="588963"/>
+                      </a:xfrm>
+                      <a:prstGeom prst="rect">
+                        <a:avLst/>
+                      </a:prstGeom>
+                    </p:spPr>
+                  </p:pic>
+                </p:oleObj>
+              </mc:Fallback>
+            </mc:AlternateContent>
+          </a:graphicData>
+        </a:graphic>
+      </p:graphicFrame>
+      <p:sp>
+        <p:nvSpPr>
+          <p:cNvPr id="11" name="矩形 10">
+            <a:extLst>
+              <a:ext uri="{FF2B5EF4-FFF2-40B4-BE49-F238E27FC236}">
+                <a16:creationId xmlns:a16="http://schemas.microsoft.com/office/drawing/2014/main" id="{B2D13943-F996-4B06-A2FB-770311725F59}"/>
+              </a:ext>
+            </a:extLst>
+          </p:cNvPr>
+          <p:cNvSpPr/>
+          <p:nvPr/>
+        </p:nvSpPr>
+        <p:spPr>
+          <a:xfrm>
+            <a:off x="265457" y="1702981"/>
+            <a:ext cx="2191626" cy="523220"/>
+          </a:xfrm>
+          <a:prstGeom prst="rect">
+            <a:avLst/>
+          </a:prstGeom>
+        </p:spPr>
+        <p:txBody>
+          <a:bodyPr wrap="none">
+            <a:spAutoFit/>
+          </a:bodyPr>
+          <a:lstStyle/>
+          <a:p>
+            <a:r>
+              <a:rPr lang="en-US" altLang="zh-CN" sz="2800" b="1" dirty="0">
+                <a:solidFill>
+                  <a:srgbClr val="00B0F0"/>
+                </a:solidFill>
+                <a:latin typeface="微软雅黑" panose="020B0503020204020204" pitchFamily="34" charset="-122"/>
+                <a:ea typeface="微软雅黑" panose="020B0503020204020204" pitchFamily="34" charset="-122"/>
+              </a:rPr>
+              <a:t>——</a:t>
+            </a:r>
+            <a:r>
+              <a:rPr lang="zh-CN" altLang="en-US" sz="2400" dirty="0">
+                <a:latin typeface="宋体" panose="02010600030101010101" pitchFamily="2" charset="-122"/>
+                <a:ea typeface="宋体" panose="02010600030101010101" pitchFamily="2" charset="-122"/>
+              </a:rPr>
+              <a:t>：轨迹一</a:t>
+            </a:r>
+          </a:p>
+        </p:txBody>
+      </p:sp>
+      <p:sp>
+        <p:nvSpPr>
+          <p:cNvPr id="12" name="矩形 11">
+            <a:extLst>
+              <a:ext uri="{FF2B5EF4-FFF2-40B4-BE49-F238E27FC236}">
+                <a16:creationId xmlns:a16="http://schemas.microsoft.com/office/drawing/2014/main" id="{A84138CA-A7B9-4BD9-8549-333163D9C809}"/>
+              </a:ext>
+            </a:extLst>
+          </p:cNvPr>
+          <p:cNvSpPr/>
+          <p:nvPr/>
+        </p:nvSpPr>
+        <p:spPr>
+          <a:xfrm>
+            <a:off x="265457" y="2251578"/>
+            <a:ext cx="2191626" cy="523220"/>
+          </a:xfrm>
+          <a:prstGeom prst="rect">
+            <a:avLst/>
+          </a:prstGeom>
+        </p:spPr>
+        <p:txBody>
+          <a:bodyPr wrap="none">
+            <a:spAutoFit/>
+          </a:bodyPr>
+          <a:lstStyle/>
+          <a:p>
+            <a:r>
+              <a:rPr lang="en-US" altLang="zh-CN" sz="2800" b="1" dirty="0">
+                <a:solidFill>
+                  <a:srgbClr val="FF0000"/>
+                </a:solidFill>
+                <a:latin typeface="微软雅黑" panose="020B0503020204020204" pitchFamily="34" charset="-122"/>
+                <a:ea typeface="微软雅黑" panose="020B0503020204020204" pitchFamily="34" charset="-122"/>
+              </a:rPr>
+              <a:t>——</a:t>
+            </a:r>
+            <a:r>
+              <a:rPr lang="zh-CN" altLang="en-US" sz="2400" dirty="0">
+                <a:latin typeface="宋体" panose="02010600030101010101" pitchFamily="2" charset="-122"/>
+                <a:ea typeface="宋体" panose="02010600030101010101" pitchFamily="2" charset="-122"/>
+              </a:rPr>
+              <a:t>：轨迹二</a:t>
+            </a:r>
+            <a:endParaRPr lang="zh-CN" altLang="en-US" sz="2400" b="1" dirty="0">
+              <a:solidFill>
+                <a:srgbClr val="FF0000"/>
+              </a:solidFill>
+            </a:endParaRPr>
+          </a:p>
+        </p:txBody>
+      </p:sp>
+      <p:sp>
+        <p:nvSpPr>
+          <p:cNvPr id="13" name="矩形 12">
+            <a:extLst>
+              <a:ext uri="{FF2B5EF4-FFF2-40B4-BE49-F238E27FC236}">
+                <a16:creationId xmlns:a16="http://schemas.microsoft.com/office/drawing/2014/main" id="{E551FD37-C107-4D9C-98AD-75893E0FAEBE}"/>
+              </a:ext>
+            </a:extLst>
+          </p:cNvPr>
+          <p:cNvSpPr/>
+          <p:nvPr/>
+        </p:nvSpPr>
+        <p:spPr>
+          <a:xfrm>
+            <a:off x="265457" y="2872908"/>
+            <a:ext cx="2191626" cy="523220"/>
+          </a:xfrm>
+          <a:prstGeom prst="rect">
+            <a:avLst/>
+          </a:prstGeom>
+        </p:spPr>
+        <p:txBody>
+          <a:bodyPr wrap="none">
+            <a:spAutoFit/>
+          </a:bodyPr>
+          <a:lstStyle/>
+          <a:p>
+            <a:r>
+              <a:rPr lang="en-US" altLang="zh-CN" sz="2800" b="1" dirty="0">
+                <a:solidFill>
+                  <a:srgbClr val="00B050"/>
+                </a:solidFill>
+                <a:latin typeface="微软雅黑" panose="020B0503020204020204" pitchFamily="34" charset="-122"/>
+                <a:ea typeface="微软雅黑" panose="020B0503020204020204" pitchFamily="34" charset="-122"/>
+              </a:rPr>
+              <a:t>——</a:t>
+            </a:r>
+            <a:r>
+              <a:rPr lang="zh-CN" altLang="en-US" sz="2400" dirty="0">
+                <a:latin typeface="宋体" panose="02010600030101010101" pitchFamily="2" charset="-122"/>
+                <a:ea typeface="宋体" panose="02010600030101010101" pitchFamily="2" charset="-122"/>
+              </a:rPr>
+              <a:t>：轨迹三</a:t>
+            </a:r>
+            <a:endParaRPr lang="zh-CN" altLang="en-US" sz="2400" b="1" dirty="0">
+              <a:solidFill>
+                <a:srgbClr val="00B050"/>
+              </a:solidFill>
+            </a:endParaRPr>
+          </a:p>
+        </p:txBody>
+      </p:sp>
+      <p:graphicFrame>
+        <p:nvGraphicFramePr>
+          <p:cNvPr id="14" name="对象 13">
+            <a:extLst>
+              <a:ext uri="{FF2B5EF4-FFF2-40B4-BE49-F238E27FC236}">
+                <a16:creationId xmlns:a16="http://schemas.microsoft.com/office/drawing/2014/main" id="{AAD980FB-084C-4040-AFB3-FFAA393C00D6}"/>
+              </a:ext>
+            </a:extLst>
+          </p:cNvPr>
+          <p:cNvGraphicFramePr>
+            <a:graphicFrameLocks noChangeAspect="1"/>
+          </p:cNvGraphicFramePr>
+          <p:nvPr>
+            <p:extLst>
+              <p:ext uri="{D42A27DB-BD31-4B8C-83A1-F6EECF244321}">
+                <p14:modId xmlns:p14="http://schemas.microsoft.com/office/powerpoint/2010/main" val="3240721671"/>
+              </p:ext>
+            </p:extLst>
+          </p:nvPr>
+        </p:nvGraphicFramePr>
+        <p:xfrm>
+          <a:off x="7999383" y="2573867"/>
+          <a:ext cx="921759" cy="398599"/>
+        </p:xfrm>
+        <a:graphic>
+          <a:graphicData uri="http://schemas.openxmlformats.org/presentationml/2006/ole">
+            <mc:AlternateContent xmlns:mc="http://schemas.openxmlformats.org/markup-compatibility/2006">
+              <mc:Choice xmlns:v="urn:schemas-microsoft-com:vml" Requires="v">
+                <p:oleObj spid="_x0000_s5200" name="Equation" r:id="rId16" imgW="469800" imgH="203040" progId="Equation.DSMT4">
+                  <p:embed/>
+                </p:oleObj>
+              </mc:Choice>
+              <mc:Fallback>
+                <p:oleObj name="Equation" r:id="rId16" imgW="469800" imgH="203040" progId="Equation.DSMT4">
+                  <p:embed/>
+                  <p:pic>
+                    <p:nvPicPr>
+                      <p:cNvPr id="16" name="对象 15">
+                        <a:extLst>
+                          <a:ext uri="{FF2B5EF4-FFF2-40B4-BE49-F238E27FC236}">
+                            <a16:creationId xmlns:a16="http://schemas.microsoft.com/office/drawing/2014/main" id="{418BBD34-E121-4CE1-B9FC-97AACE45ACD7}"/>
+                          </a:ext>
+                        </a:extLst>
+                      </p:cNvPr>
+                      <p:cNvPicPr/>
+                      <p:nvPr/>
+                    </p:nvPicPr>
+                    <p:blipFill>
+                      <a:blip r:embed="rId17"/>
+                      <a:stretch>
+                        <a:fillRect/>
+                      </a:stretch>
+                    </p:blipFill>
+                    <p:spPr>
+                      <a:xfrm>
+                        <a:off x="7999383" y="2573867"/>
+                        <a:ext cx="921759" cy="398599"/>
+                      </a:xfrm>
+                      <a:prstGeom prst="rect">
+                        <a:avLst/>
+                      </a:prstGeom>
+                    </p:spPr>
+                  </p:pic>
+                </p:oleObj>
+              </mc:Fallback>
+            </mc:AlternateContent>
+          </a:graphicData>
+        </a:graphic>
+      </p:graphicFrame>
+      <p:sp>
+        <p:nvSpPr>
+          <p:cNvPr id="15" name="矩形 14">
+            <a:extLst>
+              <a:ext uri="{FF2B5EF4-FFF2-40B4-BE49-F238E27FC236}">
+                <a16:creationId xmlns:a16="http://schemas.microsoft.com/office/drawing/2014/main" id="{B3EA2B62-2BB7-45BD-BF93-C16F5E11982F}"/>
+              </a:ext>
+            </a:extLst>
+          </p:cNvPr>
+          <p:cNvSpPr/>
+          <p:nvPr/>
+        </p:nvSpPr>
+        <p:spPr>
+          <a:xfrm>
+            <a:off x="8902740" y="2513188"/>
+            <a:ext cx="3262432" cy="461665"/>
+          </a:xfrm>
+          <a:prstGeom prst="rect">
+            <a:avLst/>
+          </a:prstGeom>
+        </p:spPr>
+        <p:txBody>
+          <a:bodyPr wrap="none">
+            <a:spAutoFit/>
+          </a:bodyPr>
+          <a:lstStyle/>
+          <a:p>
+            <a:r>
+              <a:rPr lang="zh-CN" altLang="en-US" sz="2400" dirty="0">
+                <a:latin typeface="宋体" panose="02010600030101010101" pitchFamily="2" charset="-122"/>
+                <a:ea typeface="宋体" panose="02010600030101010101" pitchFamily="2" charset="-122"/>
+              </a:rPr>
+              <a:t>表示该轨迹发生的概率</a:t>
+            </a:r>
+            <a:endParaRPr lang="zh-CN" altLang="en-US" sz="2400" dirty="0"/>
+          </a:p>
+        </p:txBody>
+      </p:sp>
+      <p:graphicFrame>
+        <p:nvGraphicFramePr>
+          <p:cNvPr id="16" name="对象 15">
+            <a:extLst>
+              <a:ext uri="{FF2B5EF4-FFF2-40B4-BE49-F238E27FC236}">
+                <a16:creationId xmlns:a16="http://schemas.microsoft.com/office/drawing/2014/main" id="{DF6ACB9B-9433-4477-9E03-524C8DF1E606}"/>
+              </a:ext>
+            </a:extLst>
+          </p:cNvPr>
+          <p:cNvGraphicFramePr>
+            <a:graphicFrameLocks noChangeAspect="1"/>
+          </p:cNvGraphicFramePr>
+          <p:nvPr>
+            <p:extLst>
+              <p:ext uri="{D42A27DB-BD31-4B8C-83A1-F6EECF244321}">
+                <p14:modId xmlns:p14="http://schemas.microsoft.com/office/powerpoint/2010/main" val="1861343546"/>
+              </p:ext>
+            </p:extLst>
+          </p:nvPr>
+        </p:nvGraphicFramePr>
+        <p:xfrm>
+          <a:off x="5205978" y="3134518"/>
+          <a:ext cx="328613" cy="588963"/>
+        </p:xfrm>
+        <a:graphic>
+          <a:graphicData uri="http://schemas.openxmlformats.org/presentationml/2006/ole">
+            <mc:AlternateContent xmlns:mc="http://schemas.openxmlformats.org/markup-compatibility/2006">
+              <mc:Choice xmlns:v="urn:schemas-microsoft-com:vml" Requires="v">
+                <p:oleObj spid="_x0000_s5201" name="Equation" r:id="rId18" imgW="126720" imgH="228600" progId="Equation.DSMT4">
+                  <p:embed/>
+                </p:oleObj>
+              </mc:Choice>
+              <mc:Fallback>
+                <p:oleObj name="Equation" r:id="rId18" imgW="126720" imgH="228600" progId="Equation.DSMT4">
+                  <p:embed/>
+                  <p:pic>
+                    <p:nvPicPr>
+                      <p:cNvPr id="9" name="对象 8">
+                        <a:extLst>
+                          <a:ext uri="{FF2B5EF4-FFF2-40B4-BE49-F238E27FC236}">
+                            <a16:creationId xmlns:a16="http://schemas.microsoft.com/office/drawing/2014/main" id="{52430A43-BEF7-408C-9289-EE0FA1B8B139}"/>
+                          </a:ext>
+                        </a:extLst>
+                      </p:cNvPr>
+                      <p:cNvPicPr/>
+                      <p:nvPr/>
+                    </p:nvPicPr>
+                    <p:blipFill>
+                      <a:blip r:embed="rId19"/>
+                      <a:stretch>
+                        <a:fillRect/>
+                      </a:stretch>
+                    </p:blipFill>
+                    <p:spPr>
+                      <a:xfrm>
+                        <a:off x="5205978" y="3134518"/>
+                        <a:ext cx="328613" cy="588963"/>
+                      </a:xfrm>
+                      <a:prstGeom prst="rect">
+                        <a:avLst/>
+                      </a:prstGeom>
+                    </p:spPr>
+                  </p:pic>
+                </p:oleObj>
+              </mc:Fallback>
+            </mc:AlternateContent>
+          </a:graphicData>
+        </a:graphic>
+      </p:graphicFrame>
+      <p:graphicFrame>
+        <p:nvGraphicFramePr>
+          <p:cNvPr id="17" name="对象 16">
+            <a:extLst>
+              <a:ext uri="{FF2B5EF4-FFF2-40B4-BE49-F238E27FC236}">
+                <a16:creationId xmlns:a16="http://schemas.microsoft.com/office/drawing/2014/main" id="{76625058-57A5-4E3D-AE36-078588EBC231}"/>
+              </a:ext>
+            </a:extLst>
+          </p:cNvPr>
+          <p:cNvGraphicFramePr>
+            <a:graphicFrameLocks noChangeAspect="1"/>
+          </p:cNvGraphicFramePr>
+          <p:nvPr>
+            <p:extLst>
+              <p:ext uri="{D42A27DB-BD31-4B8C-83A1-F6EECF244321}">
+                <p14:modId xmlns:p14="http://schemas.microsoft.com/office/powerpoint/2010/main" val="3763460108"/>
+              </p:ext>
+            </p:extLst>
+          </p:nvPr>
+        </p:nvGraphicFramePr>
+        <p:xfrm>
+          <a:off x="6657975" y="4949825"/>
+          <a:ext cx="525463" cy="588963"/>
+        </p:xfrm>
+        <a:graphic>
+          <a:graphicData uri="http://schemas.openxmlformats.org/presentationml/2006/ole">
+            <mc:AlternateContent xmlns:mc="http://schemas.openxmlformats.org/markup-compatibility/2006">
+              <mc:Choice xmlns:v="urn:schemas-microsoft-com:vml" Requires="v">
+                <p:oleObj spid="_x0000_s5202" name="Equation" r:id="rId20" imgW="203040" imgH="228600" progId="Equation.DSMT4">
+                  <p:embed/>
+                </p:oleObj>
+              </mc:Choice>
+              <mc:Fallback>
+                <p:oleObj name="Equation" r:id="rId20" imgW="203040" imgH="228600" progId="Equation.DSMT4">
+                  <p:embed/>
+                  <p:pic>
+                    <p:nvPicPr>
+                      <p:cNvPr id="16" name="对象 15">
+                        <a:extLst>
+                          <a:ext uri="{FF2B5EF4-FFF2-40B4-BE49-F238E27FC236}">
+                            <a16:creationId xmlns:a16="http://schemas.microsoft.com/office/drawing/2014/main" id="{DF6ACB9B-9433-4477-9E03-524C8DF1E606}"/>
+                          </a:ext>
+                        </a:extLst>
+                      </p:cNvPr>
+                      <p:cNvPicPr/>
+                      <p:nvPr/>
+                    </p:nvPicPr>
+                    <p:blipFill>
+                      <a:blip r:embed="rId21"/>
+                      <a:stretch>
+                        <a:fillRect/>
+                      </a:stretch>
+                    </p:blipFill>
+                    <p:spPr>
+                      <a:xfrm>
+                        <a:off x="6657975" y="4949825"/>
+                        <a:ext cx="525463" cy="588963"/>
+                      </a:xfrm>
+                      <a:prstGeom prst="rect">
+                        <a:avLst/>
+                      </a:prstGeom>
+                    </p:spPr>
+                  </p:pic>
+                </p:oleObj>
+              </mc:Fallback>
+            </mc:AlternateContent>
+          </a:graphicData>
+        </a:graphic>
+      </p:graphicFrame>
+      <p:graphicFrame>
+        <p:nvGraphicFramePr>
+          <p:cNvPr id="18" name="对象 17">
+            <a:extLst>
+              <a:ext uri="{FF2B5EF4-FFF2-40B4-BE49-F238E27FC236}">
+                <a16:creationId xmlns:a16="http://schemas.microsoft.com/office/drawing/2014/main" id="{E7437FF1-7A1E-4054-89BB-4732115338E2}"/>
+              </a:ext>
+            </a:extLst>
+          </p:cNvPr>
+          <p:cNvGraphicFramePr>
+            <a:graphicFrameLocks noChangeAspect="1"/>
+          </p:cNvGraphicFramePr>
+          <p:nvPr>
+            <p:extLst>
+              <p:ext uri="{D42A27DB-BD31-4B8C-83A1-F6EECF244321}">
+                <p14:modId xmlns:p14="http://schemas.microsoft.com/office/powerpoint/2010/main" val="2613038630"/>
+              </p:ext>
+            </p:extLst>
+          </p:nvPr>
+        </p:nvGraphicFramePr>
+        <p:xfrm>
+          <a:off x="5009033" y="2558768"/>
+          <a:ext cx="378525" cy="451552"/>
+        </p:xfrm>
+        <a:graphic>
+          <a:graphicData uri="http://schemas.openxmlformats.org/presentationml/2006/ole">
+            <mc:AlternateContent xmlns:mc="http://schemas.openxmlformats.org/markup-compatibility/2006">
+              <mc:Choice xmlns:v="urn:schemas-microsoft-com:vml" Requires="v">
+                <p:oleObj spid="_x0000_s5203" name="Equation" r:id="rId22" imgW="190440" imgH="228600" progId="Equation.DSMT4">
+                  <p:embed/>
+                </p:oleObj>
+              </mc:Choice>
+              <mc:Fallback>
+                <p:oleObj name="Equation" r:id="rId22" imgW="190440" imgH="228600" progId="Equation.DSMT4">
+                  <p:embed/>
+                  <p:pic>
+                    <p:nvPicPr>
+                      <p:cNvPr id="16" name="对象 15">
+                        <a:extLst>
+                          <a:ext uri="{FF2B5EF4-FFF2-40B4-BE49-F238E27FC236}">
+                            <a16:creationId xmlns:a16="http://schemas.microsoft.com/office/drawing/2014/main" id="{DF6ACB9B-9433-4477-9E03-524C8DF1E606}"/>
+                          </a:ext>
+                        </a:extLst>
+                      </p:cNvPr>
+                      <p:cNvPicPr/>
+                      <p:nvPr/>
+                    </p:nvPicPr>
+                    <p:blipFill>
+                      <a:blip r:embed="rId23"/>
+                      <a:stretch>
+                        <a:fillRect/>
+                      </a:stretch>
+                    </p:blipFill>
+                    <p:spPr>
+                      <a:xfrm>
+                        <a:off x="5009033" y="2558768"/>
+                        <a:ext cx="378525" cy="451552"/>
+                      </a:xfrm>
+                      <a:prstGeom prst="rect">
+                        <a:avLst/>
+                      </a:prstGeom>
+                    </p:spPr>
+                  </p:pic>
+                </p:oleObj>
+              </mc:Fallback>
+            </mc:AlternateContent>
+          </a:graphicData>
+        </a:graphic>
+      </p:graphicFrame>
+      <p:graphicFrame>
+        <p:nvGraphicFramePr>
+          <p:cNvPr id="19" name="对象 18">
+            <a:extLst>
+              <a:ext uri="{FF2B5EF4-FFF2-40B4-BE49-F238E27FC236}">
+                <a16:creationId xmlns:a16="http://schemas.microsoft.com/office/drawing/2014/main" id="{42D6B12C-A482-40B6-ADA7-B11E70F2A201}"/>
+              </a:ext>
+            </a:extLst>
+          </p:cNvPr>
+          <p:cNvGraphicFramePr>
+            <a:graphicFrameLocks noChangeAspect="1"/>
+          </p:cNvGraphicFramePr>
+          <p:nvPr>
+            <p:extLst>
+              <p:ext uri="{D42A27DB-BD31-4B8C-83A1-F6EECF244321}">
+                <p14:modId xmlns:p14="http://schemas.microsoft.com/office/powerpoint/2010/main" val="3354826205"/>
+              </p:ext>
+            </p:extLst>
+          </p:nvPr>
+        </p:nvGraphicFramePr>
+        <p:xfrm>
+          <a:off x="7001212" y="4518077"/>
+          <a:ext cx="372878" cy="444816"/>
+        </p:xfrm>
+        <a:graphic>
+          <a:graphicData uri="http://schemas.openxmlformats.org/presentationml/2006/ole">
+            <mc:AlternateContent xmlns:mc="http://schemas.openxmlformats.org/markup-compatibility/2006">
+              <mc:Choice xmlns:v="urn:schemas-microsoft-com:vml" Requires="v">
+                <p:oleObj spid="_x0000_s5204" name="Equation" r:id="rId24" imgW="190440" imgH="228600" progId="Equation.DSMT4">
+                  <p:embed/>
+                </p:oleObj>
+              </mc:Choice>
+              <mc:Fallback>
+                <p:oleObj name="Equation" r:id="rId24" imgW="190440" imgH="228600" progId="Equation.DSMT4">
+                  <p:embed/>
+                  <p:pic>
+                    <p:nvPicPr>
+                      <p:cNvPr id="18" name="对象 17">
+                        <a:extLst>
+                          <a:ext uri="{FF2B5EF4-FFF2-40B4-BE49-F238E27FC236}">
+                            <a16:creationId xmlns:a16="http://schemas.microsoft.com/office/drawing/2014/main" id="{E7437FF1-7A1E-4054-89BB-4732115338E2}"/>
+                          </a:ext>
+                        </a:extLst>
+                      </p:cNvPr>
+                      <p:cNvPicPr/>
+                      <p:nvPr/>
+                    </p:nvPicPr>
+                    <p:blipFill>
+                      <a:blip r:embed="rId23"/>
+                      <a:stretch>
+                        <a:fillRect/>
+                      </a:stretch>
+                    </p:blipFill>
+                    <p:spPr>
+                      <a:xfrm>
+                        <a:off x="7001212" y="4518077"/>
+                        <a:ext cx="372878" cy="444816"/>
+                      </a:xfrm>
+                      <a:prstGeom prst="rect">
+                        <a:avLst/>
+                      </a:prstGeom>
+                    </p:spPr>
+                  </p:pic>
+                </p:oleObj>
+              </mc:Fallback>
+            </mc:AlternateContent>
+          </a:graphicData>
+        </a:graphic>
+      </p:graphicFrame>
+      <p:graphicFrame>
+        <p:nvGraphicFramePr>
+          <p:cNvPr id="20" name="对象 19">
+            <a:extLst>
+              <a:ext uri="{FF2B5EF4-FFF2-40B4-BE49-F238E27FC236}">
+                <a16:creationId xmlns:a16="http://schemas.microsoft.com/office/drawing/2014/main" id="{9DD8D556-6103-40EC-AC9B-694FF1C9C182}"/>
+              </a:ext>
+            </a:extLst>
+          </p:cNvPr>
+          <p:cNvGraphicFramePr>
+            <a:graphicFrameLocks noChangeAspect="1"/>
+          </p:cNvGraphicFramePr>
+          <p:nvPr>
+            <p:extLst>
+              <p:ext uri="{D42A27DB-BD31-4B8C-83A1-F6EECF244321}">
+                <p14:modId xmlns:p14="http://schemas.microsoft.com/office/powerpoint/2010/main" val="51884250"/>
+              </p:ext>
+            </p:extLst>
+          </p:nvPr>
+        </p:nvGraphicFramePr>
+        <p:xfrm>
+          <a:off x="6372225" y="3543300"/>
+          <a:ext cx="298450" cy="322263"/>
+        </p:xfrm>
+        <a:graphic>
+          <a:graphicData uri="http://schemas.openxmlformats.org/presentationml/2006/ole">
+            <mc:AlternateContent xmlns:mc="http://schemas.openxmlformats.org/markup-compatibility/2006">
+              <mc:Choice xmlns:v="urn:schemas-microsoft-com:vml" Requires="v">
+                <p:oleObj spid="_x0000_s5205" name="Equation" r:id="rId25" imgW="152280" imgH="164880" progId="Equation.DSMT4">
+                  <p:embed/>
+                </p:oleObj>
+              </mc:Choice>
+              <mc:Fallback>
+                <p:oleObj name="Equation" r:id="rId25" imgW="152280" imgH="164880" progId="Equation.DSMT4">
+                  <p:embed/>
+                  <p:pic>
+                    <p:nvPicPr>
+                      <p:cNvPr id="19" name="对象 18">
+                        <a:extLst>
+                          <a:ext uri="{FF2B5EF4-FFF2-40B4-BE49-F238E27FC236}">
+                            <a16:creationId xmlns:a16="http://schemas.microsoft.com/office/drawing/2014/main" id="{42D6B12C-A482-40B6-ADA7-B11E70F2A201}"/>
+                          </a:ext>
+                        </a:extLst>
+                      </p:cNvPr>
+                      <p:cNvPicPr/>
+                      <p:nvPr/>
+                    </p:nvPicPr>
+                    <p:blipFill>
+                      <a:blip r:embed="rId26"/>
+                      <a:stretch>
+                        <a:fillRect/>
+                      </a:stretch>
+                    </p:blipFill>
+                    <p:spPr>
+                      <a:xfrm>
+                        <a:off x="6372225" y="3543300"/>
+                        <a:ext cx="298450" cy="322263"/>
+                      </a:xfrm>
+                      <a:prstGeom prst="rect">
+                        <a:avLst/>
+                      </a:prstGeom>
+                    </p:spPr>
+                  </p:pic>
+                </p:oleObj>
+              </mc:Fallback>
+            </mc:AlternateContent>
+          </a:graphicData>
+        </a:graphic>
+      </p:graphicFrame>
+      <p:graphicFrame>
+        <p:nvGraphicFramePr>
+          <p:cNvPr id="21" name="对象 20">
+            <a:extLst>
+              <a:ext uri="{FF2B5EF4-FFF2-40B4-BE49-F238E27FC236}">
+                <a16:creationId xmlns:a16="http://schemas.microsoft.com/office/drawing/2014/main" id="{129A9452-8B8A-4BE8-8B49-A7C04EFAD315}"/>
+              </a:ext>
+            </a:extLst>
+          </p:cNvPr>
+          <p:cNvGraphicFramePr>
+            <a:graphicFrameLocks noChangeAspect="1"/>
+          </p:cNvGraphicFramePr>
+          <p:nvPr>
+            <p:extLst>
+              <p:ext uri="{D42A27DB-BD31-4B8C-83A1-F6EECF244321}">
+                <p14:modId xmlns:p14="http://schemas.microsoft.com/office/powerpoint/2010/main" val="3485456497"/>
+              </p:ext>
+            </p:extLst>
+          </p:nvPr>
+        </p:nvGraphicFramePr>
+        <p:xfrm>
+          <a:off x="7075640" y="5580082"/>
+          <a:ext cx="298450" cy="322263"/>
+        </p:xfrm>
+        <a:graphic>
+          <a:graphicData uri="http://schemas.openxmlformats.org/presentationml/2006/ole">
+            <mc:AlternateContent xmlns:mc="http://schemas.openxmlformats.org/markup-compatibility/2006">
+              <mc:Choice xmlns:v="urn:schemas-microsoft-com:vml" Requires="v">
+                <p:oleObj spid="_x0000_s5206" name="Equation" r:id="rId27" imgW="152280" imgH="164880" progId="Equation.DSMT4">
+                  <p:embed/>
+                </p:oleObj>
+              </mc:Choice>
+              <mc:Fallback>
+                <p:oleObj name="Equation" r:id="rId27" imgW="152280" imgH="164880" progId="Equation.DSMT4">
+                  <p:embed/>
+                  <p:pic>
+                    <p:nvPicPr>
+                      <p:cNvPr id="20" name="对象 19">
+                        <a:extLst>
+                          <a:ext uri="{FF2B5EF4-FFF2-40B4-BE49-F238E27FC236}">
+                            <a16:creationId xmlns:a16="http://schemas.microsoft.com/office/drawing/2014/main" id="{9DD8D556-6103-40EC-AC9B-694FF1C9C182}"/>
+                          </a:ext>
+                        </a:extLst>
+                      </p:cNvPr>
+                      <p:cNvPicPr/>
+                      <p:nvPr/>
+                    </p:nvPicPr>
+                    <p:blipFill>
+                      <a:blip r:embed="rId28"/>
+                      <a:stretch>
+                        <a:fillRect/>
+                      </a:stretch>
+                    </p:blipFill>
+                    <p:spPr>
+                      <a:xfrm>
+                        <a:off x="7075640" y="5580082"/>
+                        <a:ext cx="298450" cy="322263"/>
                       </a:xfrm>
                       <a:prstGeom prst="rect">
                         <a:avLst/>
@@ -5389,6 +6436,219 @@
   <p:clrMapOvr>
     <a:masterClrMapping/>
   </p:clrMapOvr>
+  <p:timing>
+    <p:tnLst>
+      <p:par>
+        <p:cTn id="1" dur="indefinite" restart="never" nodeType="tmRoot">
+          <p:childTnLst>
+            <p:seq concurrent="1" nextAc="seek">
+              <p:cTn id="2" dur="indefinite" nodeType="mainSeq">
+                <p:childTnLst>
+                  <p:par>
+                    <p:cTn id="3" fill="hold">
+                      <p:stCondLst>
+                        <p:cond delay="indefinite"/>
+                        <p:cond evt="onBegin" delay="0">
+                          <p:tn val="2"/>
+                        </p:cond>
+                      </p:stCondLst>
+                      <p:childTnLst>
+                        <p:par>
+                          <p:cTn id="4" fill="hold">
+                            <p:stCondLst>
+                              <p:cond delay="0"/>
+                            </p:stCondLst>
+                            <p:childTnLst>
+                              <p:par>
+                                <p:cTn id="5" presetID="42" presetClass="entr" presetSubtype="0" fill="hold" nodeType="withEffect">
+                                  <p:stCondLst>
+                                    <p:cond delay="0"/>
+                                  </p:stCondLst>
+                                  <p:childTnLst>
+                                    <p:set>
+                                      <p:cBhvr>
+                                        <p:cTn id="6" dur="1" fill="hold">
+                                          <p:stCondLst>
+                                            <p:cond delay="0"/>
+                                          </p:stCondLst>
+                                        </p:cTn>
+                                        <p:tgtEl>
+                                          <p:spTgt spid="4"/>
+                                        </p:tgtEl>
+                                        <p:attrNameLst>
+                                          <p:attrName>style.visibility</p:attrName>
+                                        </p:attrNameLst>
+                                      </p:cBhvr>
+                                      <p:to>
+                                        <p:strVal val="visible"/>
+                                      </p:to>
+                                    </p:set>
+                                    <p:animEffect transition="in" filter="fade">
+                                      <p:cBhvr>
+                                        <p:cTn id="7" dur="1000"/>
+                                        <p:tgtEl>
+                                          <p:spTgt spid="4"/>
+                                        </p:tgtEl>
+                                      </p:cBhvr>
+                                    </p:animEffect>
+                                    <p:anim calcmode="lin" valueType="num">
+                                      <p:cBhvr>
+                                        <p:cTn id="8" dur="1000" fill="hold"/>
+                                        <p:tgtEl>
+                                          <p:spTgt spid="4"/>
+                                        </p:tgtEl>
+                                        <p:attrNameLst>
+                                          <p:attrName>ppt_x</p:attrName>
+                                        </p:attrNameLst>
+                                      </p:cBhvr>
+                                      <p:tavLst>
+                                        <p:tav tm="0">
+                                          <p:val>
+                                            <p:strVal val="#ppt_x"/>
+                                          </p:val>
+                                        </p:tav>
+                                        <p:tav tm="100000">
+                                          <p:val>
+                                            <p:strVal val="#ppt_x"/>
+                                          </p:val>
+                                        </p:tav>
+                                      </p:tavLst>
+                                    </p:anim>
+                                    <p:anim calcmode="lin" valueType="num">
+                                      <p:cBhvr>
+                                        <p:cTn id="9" dur="1000" fill="hold"/>
+                                        <p:tgtEl>
+                                          <p:spTgt spid="4"/>
+                                        </p:tgtEl>
+                                        <p:attrNameLst>
+                                          <p:attrName>ppt_y</p:attrName>
+                                        </p:attrNameLst>
+                                      </p:cBhvr>
+                                      <p:tavLst>
+                                        <p:tav tm="0">
+                                          <p:val>
+                                            <p:strVal val="#ppt_y+.1"/>
+                                          </p:val>
+                                        </p:tav>
+                                        <p:tav tm="100000">
+                                          <p:val>
+                                            <p:strVal val="#ppt_y"/>
+                                          </p:val>
+                                        </p:tav>
+                                      </p:tavLst>
+                                    </p:anim>
+                                  </p:childTnLst>
+                                </p:cTn>
+                              </p:par>
+                              <p:par>
+                                <p:cTn id="10" presetID="42" presetClass="entr" presetSubtype="0" fill="hold" nodeType="withEffect">
+                                  <p:stCondLst>
+                                    <p:cond delay="0"/>
+                                  </p:stCondLst>
+                                  <p:childTnLst>
+                                    <p:set>
+                                      <p:cBhvr>
+                                        <p:cTn id="11" dur="1" fill="hold">
+                                          <p:stCondLst>
+                                            <p:cond delay="0"/>
+                                          </p:stCondLst>
+                                        </p:cTn>
+                                        <p:tgtEl>
+                                          <p:spTgt spid="14"/>
+                                        </p:tgtEl>
+                                        <p:attrNameLst>
+                                          <p:attrName>style.visibility</p:attrName>
+                                        </p:attrNameLst>
+                                      </p:cBhvr>
+                                      <p:to>
+                                        <p:strVal val="visible"/>
+                                      </p:to>
+                                    </p:set>
+                                    <p:animEffect transition="in" filter="fade">
+                                      <p:cBhvr>
+                                        <p:cTn id="12" dur="1000"/>
+                                        <p:tgtEl>
+                                          <p:spTgt spid="14"/>
+                                        </p:tgtEl>
+                                      </p:cBhvr>
+                                    </p:animEffect>
+                                    <p:anim calcmode="lin" valueType="num">
+                                      <p:cBhvr>
+                                        <p:cTn id="13" dur="1000" fill="hold"/>
+                                        <p:tgtEl>
+                                          <p:spTgt spid="14"/>
+                                        </p:tgtEl>
+                                        <p:attrNameLst>
+                                          <p:attrName>ppt_x</p:attrName>
+                                        </p:attrNameLst>
+                                      </p:cBhvr>
+                                      <p:tavLst>
+                                        <p:tav tm="0">
+                                          <p:val>
+                                            <p:strVal val="#ppt_x"/>
+                                          </p:val>
+                                        </p:tav>
+                                        <p:tav tm="100000">
+                                          <p:val>
+                                            <p:strVal val="#ppt_x"/>
+                                          </p:val>
+                                        </p:tav>
+                                      </p:tavLst>
+                                    </p:anim>
+                                    <p:anim calcmode="lin" valueType="num">
+                                      <p:cBhvr>
+                                        <p:cTn id="14" dur="1000" fill="hold"/>
+                                        <p:tgtEl>
+                                          <p:spTgt spid="14"/>
+                                        </p:tgtEl>
+                                        <p:attrNameLst>
+                                          <p:attrName>ppt_y</p:attrName>
+                                        </p:attrNameLst>
+                                      </p:cBhvr>
+                                      <p:tavLst>
+                                        <p:tav tm="0">
+                                          <p:val>
+                                            <p:strVal val="#ppt_y+.1"/>
+                                          </p:val>
+                                        </p:tav>
+                                        <p:tav tm="100000">
+                                          <p:val>
+                                            <p:strVal val="#ppt_y"/>
+                                          </p:val>
+                                        </p:tav>
+                                      </p:tavLst>
+                                    </p:anim>
+                                  </p:childTnLst>
+                                </p:cTn>
+                              </p:par>
+                            </p:childTnLst>
+                          </p:cTn>
+                        </p:par>
+                      </p:childTnLst>
+                    </p:cTn>
+                  </p:par>
+                </p:childTnLst>
+              </p:cTn>
+              <p:prevCondLst>
+                <p:cond evt="onPrev" delay="0">
+                  <p:tgtEl>
+                    <p:sldTgt/>
+                  </p:tgtEl>
+                </p:cond>
+              </p:prevCondLst>
+              <p:nextCondLst>
+                <p:cond evt="onNext" delay="0">
+                  <p:tgtEl>
+                    <p:sldTgt/>
+                  </p:tgtEl>
+                </p:cond>
+              </p:nextCondLst>
+            </p:seq>
+          </p:childTnLst>
+        </p:cTn>
+      </p:par>
+    </p:tnLst>
+  </p:timing>
 </p:sld>
 </file>
 
